--- a/4050E005.pptx
+++ b/4050E005.pptx
@@ -17,9 +17,16 @@
     <p:sldId id="261" r:id="rId11"/>
     <p:sldId id="263" r:id="rId12"/>
     <p:sldId id="264" r:id="rId13"/>
-    <p:sldId id="271" r:id="rId14"/>
-    <p:sldId id="272" r:id="rId15"/>
-    <p:sldId id="273" r:id="rId16"/>
+    <p:sldId id="278" r:id="rId14"/>
+    <p:sldId id="271" r:id="rId15"/>
+    <p:sldId id="272" r:id="rId16"/>
+    <p:sldId id="276" r:id="rId17"/>
+    <p:sldId id="275" r:id="rId18"/>
+    <p:sldId id="273" r:id="rId19"/>
+    <p:sldId id="274" r:id="rId20"/>
+    <p:sldId id="277" r:id="rId21"/>
+    <p:sldId id="280" r:id="rId22"/>
+    <p:sldId id="279" r:id="rId23"/>
   </p:sldIdLst>
   <p:sldSz cx="9144000" cy="6858000" type="screen4x3"/>
   <p:notesSz cx="6858000" cy="9144000"/>
@@ -3441,6 +3448,100 @@
           <a:chExt cx="0" cy="0"/>
         </a:xfrm>
       </p:grpSpPr>
+      <p:sp>
+        <p:nvSpPr>
+          <p:cNvPr id="2" name="標題 1"/>
+          <p:cNvSpPr>
+            <a:spLocks noGrp="1"/>
+          </p:cNvSpPr>
+          <p:nvPr>
+            <p:ph type="title"/>
+          </p:nvPr>
+        </p:nvSpPr>
+        <p:spPr/>
+        <p:txBody>
+          <a:bodyPr>
+            <a:normAutofit/>
+          </a:bodyPr>
+          <a:lstStyle/>
+          <a:p>
+            <a:r>
+              <a:rPr lang="en-US" altLang="zh-TW" dirty="0" err="1"/>
+              <a:t>ffmpeg</a:t>
+            </a:r>
+            <a:r>
+              <a:rPr lang="en-US" altLang="zh-TW" dirty="0"/>
+              <a:t> </a:t>
+            </a:r>
+            <a:r>
+              <a:rPr lang="en-US" altLang="zh-TW" dirty="0" smtClean="0"/>
+              <a:t>-</a:t>
+            </a:r>
+            <a:r>
+              <a:rPr lang="zh-TW" altLang="en-US" dirty="0" smtClean="0"/>
+              <a:t> </a:t>
+            </a:r>
+            <a:r>
+              <a:rPr lang="en-US" altLang="zh-TW" dirty="0" smtClean="0"/>
+              <a:t>CMD</a:t>
+            </a:r>
+            <a:r>
+              <a:rPr lang="zh-TW" altLang="en-US" dirty="0" smtClean="0"/>
+              <a:t>播放</a:t>
+            </a:r>
+            <a:endParaRPr lang="zh-TW" altLang="en-US" dirty="0"/>
+          </a:p>
+        </p:txBody>
+      </p:sp>
+      <p:sp>
+        <p:nvSpPr>
+          <p:cNvPr id="3" name="內容版面配置區 2"/>
+          <p:cNvSpPr>
+            <a:spLocks noGrp="1"/>
+          </p:cNvSpPr>
+          <p:nvPr>
+            <p:ph idx="1"/>
+          </p:nvPr>
+        </p:nvSpPr>
+        <p:spPr/>
+        <p:txBody>
+          <a:bodyPr/>
+          <a:lstStyle/>
+          <a:p>
+            <a:endParaRPr lang="zh-TW" altLang="en-US" dirty="0"/>
+          </a:p>
+        </p:txBody>
+      </p:sp>
+    </p:spTree>
+    <p:extLst>
+      <p:ext uri="{BB962C8B-B14F-4D97-AF65-F5344CB8AC3E}">
+        <p14:creationId xmlns:p14="http://schemas.microsoft.com/office/powerpoint/2010/main" val="2822108502"/>
+      </p:ext>
+    </p:extLst>
+  </p:cSld>
+  <p:clrMapOvr>
+    <a:masterClrMapping/>
+  </p:clrMapOvr>
+</p:sld>
+</file>
+
+<file path=ppt/slides/slide14.xml><?xml version="1.0" encoding="utf-8"?>
+<p:sld xmlns:a="http://schemas.openxmlformats.org/drawingml/2006/main" xmlns:r="http://schemas.openxmlformats.org/officeDocument/2006/relationships" xmlns:p="http://schemas.openxmlformats.org/presentationml/2006/main">
+  <p:cSld>
+    <p:spTree>
+      <p:nvGrpSpPr>
+        <p:cNvPr id="1" name=""/>
+        <p:cNvGrpSpPr/>
+        <p:nvPr/>
+      </p:nvGrpSpPr>
+      <p:grpSpPr>
+        <a:xfrm>
+          <a:off x="0" y="0"/>
+          <a:ext cx="0" cy="0"/>
+          <a:chOff x="0" y="0"/>
+          <a:chExt cx="0" cy="0"/>
+        </a:xfrm>
+      </p:grpSpPr>
       <p:pic>
         <p:nvPicPr>
           <p:cNvPr id="10242" name="Picture 2"/>
@@ -3670,7 +3771,7 @@
 </p:sld>
 </file>
 
-<file path=ppt/slides/slide14.xml><?xml version="1.0" encoding="utf-8"?>
+<file path=ppt/slides/slide15.xml><?xml version="1.0" encoding="utf-8"?>
 <p:sld xmlns:a="http://schemas.openxmlformats.org/drawingml/2006/main" xmlns:r="http://schemas.openxmlformats.org/officeDocument/2006/relationships" xmlns:p="http://schemas.openxmlformats.org/presentationml/2006/main">
   <p:cSld>
     <p:spTree>
@@ -3710,8 +3811,8 @@
         </p:blipFill>
         <p:spPr bwMode="auto">
           <a:xfrm>
-            <a:off x="1259632" y="188640"/>
-            <a:ext cx="6991350" cy="6486525"/>
+            <a:off x="395536" y="188640"/>
+            <a:ext cx="8640960" cy="6486525"/>
           </a:xfrm>
           <a:prstGeom prst="rect">
             <a:avLst/>
@@ -3754,7 +3855,7 @@
 </p:sld>
 </file>
 
-<file path=ppt/slides/slide15.xml><?xml version="1.0" encoding="utf-8"?>
+<file path=ppt/slides/slide16.xml><?xml version="1.0" encoding="utf-8"?>
 <p:sld xmlns:a="http://schemas.openxmlformats.org/drawingml/2006/main" xmlns:r="http://schemas.openxmlformats.org/officeDocument/2006/relationships" xmlns:p="http://schemas.openxmlformats.org/presentationml/2006/main">
   <p:cSld>
     <p:spTree>
@@ -3786,7 +3887,31 @@
           <a:bodyPr/>
           <a:lstStyle/>
           <a:p>
-            <a:endParaRPr lang="zh-TW" altLang="en-US"/>
+            <a:r>
+              <a:rPr lang="en-US" altLang="zh-TW" dirty="0" err="1"/>
+              <a:t>ffmpeg</a:t>
+            </a:r>
+            <a:r>
+              <a:rPr lang="en-US" altLang="zh-TW" dirty="0"/>
+              <a:t> </a:t>
+            </a:r>
+            <a:r>
+              <a:rPr lang="en-US" altLang="zh-TW" dirty="0" smtClean="0"/>
+              <a:t>-</a:t>
+            </a:r>
+            <a:r>
+              <a:rPr lang="zh-TW" altLang="en-US" dirty="0" smtClean="0"/>
+              <a:t> </a:t>
+            </a:r>
+            <a:r>
+              <a:rPr lang="en-US" altLang="zh-TW" dirty="0" smtClean="0"/>
+              <a:t>CMD</a:t>
+            </a:r>
+            <a:r>
+              <a:rPr lang="zh-TW" altLang="en-US" dirty="0" smtClean="0"/>
+              <a:t>轉檔</a:t>
+            </a:r>
+            <a:endParaRPr lang="zh-TW" altLang="en-US" dirty="0"/>
           </a:p>
         </p:txBody>
       </p:sp>
@@ -3798,6 +3923,352 @@
           </p:cNvSpPr>
           <p:nvPr>
             <p:ph idx="1"/>
+          </p:nvPr>
+        </p:nvSpPr>
+        <p:spPr/>
+        <p:txBody>
+          <a:bodyPr>
+            <a:normAutofit fontScale="92500" lnSpcReduction="10000"/>
+          </a:bodyPr>
+          <a:lstStyle/>
+          <a:p>
+            <a:r>
+              <a:rPr lang="en-US" altLang="zh-TW" dirty="0" err="1"/>
+              <a:t>f</a:t>
+            </a:r>
+            <a:r>
+              <a:rPr lang="en-US" altLang="zh-TW" dirty="0" err="1" smtClean="0"/>
+              <a:t>fmpeg</a:t>
+            </a:r>
+            <a:r>
+              <a:rPr lang="en-US" altLang="zh-TW" dirty="0" smtClean="0"/>
+              <a:t>  </a:t>
+            </a:r>
+            <a:r>
+              <a:rPr lang="zh-TW" altLang="en-US" dirty="0" smtClean="0"/>
+              <a:t>程式</a:t>
+            </a:r>
+            <a:endParaRPr lang="en-US" altLang="zh-TW" dirty="0" smtClean="0"/>
+          </a:p>
+          <a:p>
+            <a:r>
+              <a:rPr lang="en-US" altLang="zh-TW" dirty="0" smtClean="0"/>
+              <a:t>-</a:t>
+            </a:r>
+            <a:r>
+              <a:rPr lang="en-US" altLang="zh-TW" dirty="0" err="1" smtClean="0"/>
+              <a:t>vcodec</a:t>
+            </a:r>
+            <a:r>
+              <a:rPr lang="zh-TW" altLang="en-US" dirty="0" smtClean="0"/>
+              <a:t>轉</a:t>
+            </a:r>
+            <a:r>
+              <a:rPr lang="en-US" altLang="zh-TW" dirty="0" smtClean="0"/>
+              <a:t>H264</a:t>
+            </a:r>
+            <a:r>
+              <a:rPr lang="zh-TW" altLang="en-US" dirty="0" smtClean="0"/>
+              <a:t> 格式</a:t>
+            </a:r>
+            <a:endParaRPr lang="en-US" altLang="zh-TW" dirty="0" smtClean="0"/>
+          </a:p>
+          <a:p>
+            <a:r>
+              <a:rPr lang="en-US" altLang="zh-TW" dirty="0" smtClean="0"/>
+              <a:t>-</a:t>
+            </a:r>
+            <a:r>
+              <a:rPr lang="en-US" altLang="zh-TW" dirty="0" err="1"/>
+              <a:t>b</a:t>
+            </a:r>
+            <a:r>
+              <a:rPr lang="en-US" altLang="zh-TW" dirty="0" err="1" smtClean="0"/>
+              <a:t>:v</a:t>
+            </a:r>
+            <a:r>
+              <a:rPr lang="en-US" altLang="zh-TW" dirty="0" smtClean="0"/>
+              <a:t> 1M</a:t>
+            </a:r>
+          </a:p>
+          <a:p>
+            <a:r>
+              <a:rPr lang="en-US" altLang="zh-TW" dirty="0" smtClean="0"/>
+              <a:t>-</a:t>
+            </a:r>
+            <a:r>
+              <a:rPr lang="en-US" altLang="zh-TW" dirty="0" err="1" smtClean="0"/>
+              <a:t>b:a</a:t>
+            </a:r>
+            <a:r>
+              <a:rPr lang="zh-TW" altLang="en-US" dirty="0" smtClean="0"/>
+              <a:t>音檔 </a:t>
+            </a:r>
+            <a:r>
+              <a:rPr lang="en-US" altLang="zh-TW" dirty="0" smtClean="0"/>
+              <a:t>256K</a:t>
+            </a:r>
+          </a:p>
+          <a:p>
+            <a:r>
+              <a:rPr lang="en-US" altLang="zh-TW" dirty="0" smtClean="0"/>
+              <a:t>-s </a:t>
+            </a:r>
+            <a:r>
+              <a:rPr lang="zh-TW" altLang="en-US" dirty="0" smtClean="0"/>
+              <a:t>畫面打小 </a:t>
+            </a:r>
+            <a:r>
+              <a:rPr lang="en-US" altLang="zh-TW" dirty="0" smtClean="0"/>
+              <a:t>720x576</a:t>
+            </a:r>
+          </a:p>
+          <a:p>
+            <a:r>
+              <a:rPr lang="zh-TW" altLang="en-US" dirty="0" smtClean="0"/>
+              <a:t>檔案</a:t>
+            </a:r>
+            <a:r>
+              <a:rPr lang="zh-TW" altLang="en-US" dirty="0"/>
+              <a:t>名稱</a:t>
+            </a:r>
+            <a:r>
+              <a:rPr lang="en-US" altLang="zh-TW" dirty="0" smtClean="0"/>
+              <a:t>+</a:t>
+            </a:r>
+            <a:r>
+              <a:rPr lang="zh-TW" altLang="en-US" dirty="0" smtClean="0"/>
+              <a:t>檔案格式 </a:t>
+            </a:r>
+            <a:r>
+              <a:rPr lang="en-US" altLang="zh-TW" dirty="0" smtClean="0"/>
+              <a:t>3.mp4</a:t>
+            </a:r>
+          </a:p>
+          <a:p>
+            <a:endParaRPr lang="en-US" altLang="zh-TW" dirty="0" smtClean="0"/>
+          </a:p>
+          <a:p>
+            <a:r>
+              <a:rPr lang="en-US" altLang="zh-TW" dirty="0" err="1"/>
+              <a:t>ffmpeg</a:t>
+            </a:r>
+            <a:r>
+              <a:rPr lang="en-US" altLang="zh-TW" dirty="0"/>
+              <a:t> -re -</a:t>
+            </a:r>
+            <a:r>
+              <a:rPr lang="en-US" altLang="zh-TW" dirty="0" err="1"/>
+              <a:t>i</a:t>
+            </a:r>
+            <a:r>
+              <a:rPr lang="en-US" altLang="zh-TW" dirty="0"/>
+              <a:t> Wildlife.wmv -</a:t>
+            </a:r>
+            <a:r>
+              <a:rPr lang="en-US" altLang="zh-TW" dirty="0" err="1"/>
+              <a:t>vcodec</a:t>
+            </a:r>
+            <a:r>
+              <a:rPr lang="en-US" altLang="zh-TW" dirty="0"/>
+              <a:t> h264 -</a:t>
+            </a:r>
+            <a:r>
+              <a:rPr lang="en-US" altLang="zh-TW" dirty="0" err="1"/>
+              <a:t>b:v</a:t>
+            </a:r>
+            <a:r>
+              <a:rPr lang="en-US" altLang="zh-TW" dirty="0"/>
+              <a:t> 1M -</a:t>
+            </a:r>
+            <a:r>
+              <a:rPr lang="en-US" altLang="zh-TW" dirty="0" err="1"/>
+              <a:t>b:a</a:t>
+            </a:r>
+            <a:r>
+              <a:rPr lang="en-US" altLang="zh-TW" dirty="0"/>
+              <a:t> 256k -s 720x576 3.mp4</a:t>
+            </a:r>
+            <a:endParaRPr lang="zh-TW" altLang="en-US" dirty="0"/>
+          </a:p>
+        </p:txBody>
+      </p:sp>
+    </p:spTree>
+    <p:extLst>
+      <p:ext uri="{BB962C8B-B14F-4D97-AF65-F5344CB8AC3E}">
+        <p14:creationId xmlns:p14="http://schemas.microsoft.com/office/powerpoint/2010/main" val="2995865755"/>
+      </p:ext>
+    </p:extLst>
+  </p:cSld>
+  <p:clrMapOvr>
+    <a:masterClrMapping/>
+  </p:clrMapOvr>
+</p:sld>
+</file>
+
+<file path=ppt/slides/slide17.xml><?xml version="1.0" encoding="utf-8"?>
+<p:sld xmlns:a="http://schemas.openxmlformats.org/drawingml/2006/main" xmlns:r="http://schemas.openxmlformats.org/officeDocument/2006/relationships" xmlns:p="http://schemas.openxmlformats.org/presentationml/2006/main">
+  <p:cSld>
+    <p:spTree>
+      <p:nvGrpSpPr>
+        <p:cNvPr id="1" name=""/>
+        <p:cNvGrpSpPr/>
+        <p:nvPr/>
+      </p:nvGrpSpPr>
+      <p:grpSpPr>
+        <a:xfrm>
+          <a:off x="0" y="0"/>
+          <a:ext cx="0" cy="0"/>
+          <a:chOff x="0" y="0"/>
+          <a:chExt cx="0" cy="0"/>
+        </a:xfrm>
+      </p:grpSpPr>
+      <p:pic>
+        <p:nvPicPr>
+          <p:cNvPr id="14338" name="Picture 2"/>
+          <p:cNvPicPr>
+            <a:picLocks noChangeAspect="1" noChangeArrowheads="1"/>
+          </p:cNvPicPr>
+          <p:nvPr/>
+        </p:nvPicPr>
+        <p:blipFill>
+          <a:blip r:embed="rId2">
+            <a:extLst>
+              <a:ext uri="{28A0092B-C50C-407E-A947-70E740481C1C}">
+                <a14:useLocalDpi xmlns:a14="http://schemas.microsoft.com/office/drawing/2010/main" val="0"/>
+              </a:ext>
+            </a:extLst>
+          </a:blip>
+          <a:srcRect/>
+          <a:stretch>
+            <a:fillRect/>
+          </a:stretch>
+        </p:blipFill>
+        <p:spPr bwMode="auto">
+          <a:xfrm>
+            <a:off x="-503262" y="260648"/>
+            <a:ext cx="10131474" cy="920105"/>
+          </a:xfrm>
+          <a:prstGeom prst="rect">
+            <a:avLst/>
+          </a:prstGeom>
+          <a:noFill/>
+          <a:ln>
+            <a:noFill/>
+          </a:ln>
+          <a:extLst>
+            <a:ext uri="{909E8E84-426E-40DD-AFC4-6F175D3DCCD1}">
+              <a14:hiddenFill xmlns:a14="http://schemas.microsoft.com/office/drawing/2010/main">
+                <a:solidFill>
+                  <a:schemeClr val="accent1"/>
+                </a:solidFill>
+              </a14:hiddenFill>
+            </a:ext>
+            <a:ext uri="{91240B29-F687-4F45-9708-019B960494DF}">
+              <a14:hiddenLine xmlns:a14="http://schemas.microsoft.com/office/drawing/2010/main" w="9525">
+                <a:solidFill>
+                  <a:schemeClr val="tx1"/>
+                </a:solidFill>
+                <a:miter lim="800000"/>
+                <a:headEnd/>
+                <a:tailEnd/>
+              </a14:hiddenLine>
+            </a:ext>
+          </a:extLst>
+        </p:spPr>
+      </p:pic>
+      <p:pic>
+        <p:nvPicPr>
+          <p:cNvPr id="14339" name="Picture 3"/>
+          <p:cNvPicPr>
+            <a:picLocks noChangeAspect="1" noChangeArrowheads="1"/>
+          </p:cNvPicPr>
+          <p:nvPr/>
+        </p:nvPicPr>
+        <p:blipFill>
+          <a:blip r:embed="rId3">
+            <a:extLst>
+              <a:ext uri="{28A0092B-C50C-407E-A947-70E740481C1C}">
+                <a14:useLocalDpi xmlns:a14="http://schemas.microsoft.com/office/drawing/2010/main" val="0"/>
+              </a:ext>
+            </a:extLst>
+          </a:blip>
+          <a:srcRect/>
+          <a:stretch>
+            <a:fillRect/>
+          </a:stretch>
+        </p:blipFill>
+        <p:spPr bwMode="auto">
+          <a:xfrm>
+            <a:off x="0" y="1340768"/>
+            <a:ext cx="9124950" cy="7762875"/>
+          </a:xfrm>
+          <a:prstGeom prst="rect">
+            <a:avLst/>
+          </a:prstGeom>
+          <a:noFill/>
+          <a:ln>
+            <a:noFill/>
+          </a:ln>
+          <a:extLst>
+            <a:ext uri="{909E8E84-426E-40DD-AFC4-6F175D3DCCD1}">
+              <a14:hiddenFill xmlns:a14="http://schemas.microsoft.com/office/drawing/2010/main">
+                <a:solidFill>
+                  <a:schemeClr val="accent1"/>
+                </a:solidFill>
+              </a14:hiddenFill>
+            </a:ext>
+            <a:ext uri="{91240B29-F687-4F45-9708-019B960494DF}">
+              <a14:hiddenLine xmlns:a14="http://schemas.microsoft.com/office/drawing/2010/main" w="9525">
+                <a:solidFill>
+                  <a:schemeClr val="tx1"/>
+                </a:solidFill>
+                <a:miter lim="800000"/>
+                <a:headEnd/>
+                <a:tailEnd/>
+              </a14:hiddenLine>
+            </a:ext>
+          </a:extLst>
+        </p:spPr>
+      </p:pic>
+    </p:spTree>
+    <p:extLst>
+      <p:ext uri="{BB962C8B-B14F-4D97-AF65-F5344CB8AC3E}">
+        <p14:creationId xmlns:p14="http://schemas.microsoft.com/office/powerpoint/2010/main" val="325755865"/>
+      </p:ext>
+    </p:extLst>
+  </p:cSld>
+  <p:clrMapOvr>
+    <a:masterClrMapping/>
+  </p:clrMapOvr>
+</p:sld>
+</file>
+
+<file path=ppt/slides/slide18.xml><?xml version="1.0" encoding="utf-8"?>
+<p:sld xmlns:a="http://schemas.openxmlformats.org/drawingml/2006/main" xmlns:r="http://schemas.openxmlformats.org/officeDocument/2006/relationships" xmlns:p="http://schemas.openxmlformats.org/presentationml/2006/main">
+  <p:cSld>
+    <p:spTree>
+      <p:nvGrpSpPr>
+        <p:cNvPr id="1" name=""/>
+        <p:cNvGrpSpPr/>
+        <p:nvPr/>
+      </p:nvGrpSpPr>
+      <p:grpSpPr>
+        <a:xfrm>
+          <a:off x="0" y="0"/>
+          <a:ext cx="0" cy="0"/>
+          <a:chOff x="0" y="0"/>
+          <a:chExt cx="0" cy="0"/>
+        </a:xfrm>
+      </p:grpSpPr>
+      <p:sp>
+        <p:nvSpPr>
+          <p:cNvPr id="2" name="標題 1"/>
+          <p:cNvSpPr>
+            <a:spLocks noGrp="1"/>
+          </p:cNvSpPr>
+          <p:nvPr>
+            <p:ph type="title"/>
           </p:nvPr>
         </p:nvSpPr>
         <p:spPr/>
@@ -3809,10 +4280,167 @@
           </a:p>
         </p:txBody>
       </p:sp>
+      <p:sp>
+        <p:nvSpPr>
+          <p:cNvPr id="3" name="內容版面配置區 2"/>
+          <p:cNvSpPr>
+            <a:spLocks noGrp="1"/>
+          </p:cNvSpPr>
+          <p:nvPr>
+            <p:ph idx="1"/>
+          </p:nvPr>
+        </p:nvSpPr>
+        <p:spPr/>
+        <p:txBody>
+          <a:bodyPr/>
+          <a:lstStyle/>
+          <a:p>
+            <a:endParaRPr lang="zh-TW" altLang="en-US"/>
+          </a:p>
+        </p:txBody>
+      </p:sp>
+      <p:pic>
+        <p:nvPicPr>
+          <p:cNvPr id="12290" name="Picture 2"/>
+          <p:cNvPicPr>
+            <a:picLocks noChangeAspect="1" noChangeArrowheads="1"/>
+          </p:cNvPicPr>
+          <p:nvPr/>
+        </p:nvPicPr>
+        <p:blipFill>
+          <a:blip r:embed="rId2">
+            <a:extLst>
+              <a:ext uri="{28A0092B-C50C-407E-A947-70E740481C1C}">
+                <a14:useLocalDpi xmlns:a14="http://schemas.microsoft.com/office/drawing/2010/main" val="0"/>
+              </a:ext>
+            </a:extLst>
+          </a:blip>
+          <a:srcRect/>
+          <a:stretch>
+            <a:fillRect/>
+          </a:stretch>
+        </p:blipFill>
+        <p:spPr bwMode="auto">
+          <a:xfrm>
+            <a:off x="0" y="-1878632"/>
+            <a:ext cx="8934450" cy="9525000"/>
+          </a:xfrm>
+          <a:prstGeom prst="rect">
+            <a:avLst/>
+          </a:prstGeom>
+          <a:noFill/>
+          <a:ln>
+            <a:noFill/>
+          </a:ln>
+          <a:extLst>
+            <a:ext uri="{909E8E84-426E-40DD-AFC4-6F175D3DCCD1}">
+              <a14:hiddenFill xmlns:a14="http://schemas.microsoft.com/office/drawing/2010/main">
+                <a:solidFill>
+                  <a:schemeClr val="accent1"/>
+                </a:solidFill>
+              </a14:hiddenFill>
+            </a:ext>
+            <a:ext uri="{91240B29-F687-4F45-9708-019B960494DF}">
+              <a14:hiddenLine xmlns:a14="http://schemas.microsoft.com/office/drawing/2010/main" w="9525">
+                <a:solidFill>
+                  <a:schemeClr val="tx1"/>
+                </a:solidFill>
+                <a:miter lim="800000"/>
+                <a:headEnd/>
+                <a:tailEnd/>
+              </a14:hiddenLine>
+            </a:ext>
+          </a:extLst>
+        </p:spPr>
+      </p:pic>
     </p:spTree>
     <p:extLst>
       <p:ext uri="{BB962C8B-B14F-4D97-AF65-F5344CB8AC3E}">
         <p14:creationId xmlns:p14="http://schemas.microsoft.com/office/powerpoint/2010/main" val="3643220776"/>
+      </p:ext>
+    </p:extLst>
+  </p:cSld>
+  <p:clrMapOvr>
+    <a:masterClrMapping/>
+  </p:clrMapOvr>
+</p:sld>
+</file>
+
+<file path=ppt/slides/slide19.xml><?xml version="1.0" encoding="utf-8"?>
+<p:sld xmlns:a="http://schemas.openxmlformats.org/drawingml/2006/main" xmlns:r="http://schemas.openxmlformats.org/officeDocument/2006/relationships" xmlns:p="http://schemas.openxmlformats.org/presentationml/2006/main">
+  <p:cSld>
+    <p:spTree>
+      <p:nvGrpSpPr>
+        <p:cNvPr id="1" name=""/>
+        <p:cNvGrpSpPr/>
+        <p:nvPr/>
+      </p:nvGrpSpPr>
+      <p:grpSpPr>
+        <a:xfrm>
+          <a:off x="0" y="0"/>
+          <a:ext cx="0" cy="0"/>
+          <a:chOff x="0" y="0"/>
+          <a:chExt cx="0" cy="0"/>
+        </a:xfrm>
+      </p:grpSpPr>
+      <p:pic>
+        <p:nvPicPr>
+          <p:cNvPr id="13315" name="Picture 3"/>
+          <p:cNvPicPr>
+            <a:picLocks noChangeAspect="1" noChangeArrowheads="1"/>
+          </p:cNvPicPr>
+          <p:nvPr/>
+        </p:nvPicPr>
+        <p:blipFill>
+          <a:blip r:embed="rId2">
+            <a:extLst>
+              <a:ext uri="{28A0092B-C50C-407E-A947-70E740481C1C}">
+                <a14:useLocalDpi xmlns:a14="http://schemas.microsoft.com/office/drawing/2010/main" val="0"/>
+              </a:ext>
+            </a:extLst>
+          </a:blip>
+          <a:srcRect/>
+          <a:stretch>
+            <a:fillRect/>
+          </a:stretch>
+        </p:blipFill>
+        <p:spPr bwMode="auto">
+          <a:xfrm>
+            <a:off x="62136" y="1484784"/>
+            <a:ext cx="8991600" cy="4191000"/>
+          </a:xfrm>
+          <a:prstGeom prst="rect">
+            <a:avLst/>
+          </a:prstGeom>
+          <a:noFill/>
+          <a:ln>
+            <a:noFill/>
+          </a:ln>
+          <a:extLst>
+            <a:ext uri="{909E8E84-426E-40DD-AFC4-6F175D3DCCD1}">
+              <a14:hiddenFill xmlns:a14="http://schemas.microsoft.com/office/drawing/2010/main">
+                <a:solidFill>
+                  <a:schemeClr val="accent1"/>
+                </a:solidFill>
+              </a14:hiddenFill>
+            </a:ext>
+            <a:ext uri="{91240B29-F687-4F45-9708-019B960494DF}">
+              <a14:hiddenLine xmlns:a14="http://schemas.microsoft.com/office/drawing/2010/main" w="9525">
+                <a:solidFill>
+                  <a:schemeClr val="tx1"/>
+                </a:solidFill>
+                <a:miter lim="800000"/>
+                <a:headEnd/>
+                <a:tailEnd/>
+              </a14:hiddenLine>
+            </a:ext>
+          </a:extLst>
+        </p:spPr>
+      </p:pic>
+    </p:spTree>
+    <p:extLst>
+      <p:ext uri="{BB962C8B-B14F-4D97-AF65-F5344CB8AC3E}">
+        <p14:creationId xmlns:p14="http://schemas.microsoft.com/office/powerpoint/2010/main" val="1800611824"/>
       </p:ext>
     </p:extLst>
   </p:cSld>
@@ -3893,6 +4521,384 @@
     <p:extLst>
       <p:ext uri="{BB962C8B-B14F-4D97-AF65-F5344CB8AC3E}">
         <p14:creationId xmlns:p14="http://schemas.microsoft.com/office/powerpoint/2010/main" val="1793309813"/>
+      </p:ext>
+    </p:extLst>
+  </p:cSld>
+  <p:clrMapOvr>
+    <a:masterClrMapping/>
+  </p:clrMapOvr>
+</p:sld>
+</file>
+
+<file path=ppt/slides/slide20.xml><?xml version="1.0" encoding="utf-8"?>
+<p:sld xmlns:a="http://schemas.openxmlformats.org/drawingml/2006/main" xmlns:r="http://schemas.openxmlformats.org/officeDocument/2006/relationships" xmlns:p="http://schemas.openxmlformats.org/presentationml/2006/main">
+  <p:cSld>
+    <p:spTree>
+      <p:nvGrpSpPr>
+        <p:cNvPr id="1" name=""/>
+        <p:cNvGrpSpPr/>
+        <p:nvPr/>
+      </p:nvGrpSpPr>
+      <p:grpSpPr>
+        <a:xfrm>
+          <a:off x="0" y="0"/>
+          <a:ext cx="0" cy="0"/>
+          <a:chOff x="0" y="0"/>
+          <a:chExt cx="0" cy="0"/>
+        </a:xfrm>
+      </p:grpSpPr>
+      <p:sp>
+        <p:nvSpPr>
+          <p:cNvPr id="2" name="標題 1"/>
+          <p:cNvSpPr>
+            <a:spLocks noGrp="1"/>
+          </p:cNvSpPr>
+          <p:nvPr>
+            <p:ph type="title"/>
+          </p:nvPr>
+        </p:nvSpPr>
+        <p:spPr>
+          <a:xfrm>
+            <a:off x="467544" y="476672"/>
+            <a:ext cx="8229600" cy="1143000"/>
+          </a:xfrm>
+        </p:spPr>
+        <p:txBody>
+          <a:bodyPr>
+            <a:normAutofit fontScale="90000"/>
+          </a:bodyPr>
+          <a:lstStyle/>
+          <a:p>
+            <a:r>
+              <a:rPr lang="en-US" altLang="zh-TW" dirty="0" err="1" smtClean="0"/>
+              <a:t>ffmpeg</a:t>
+            </a:r>
+            <a:r>
+              <a:rPr lang="en-US" altLang="zh-TW" dirty="0" smtClean="0"/>
+              <a:t> –</a:t>
+            </a:r>
+            <a:r>
+              <a:rPr lang="zh-TW" altLang="en-US" dirty="0" smtClean="0"/>
+              <a:t> </a:t>
+            </a:r>
+            <a:r>
+              <a:rPr lang="en-US" altLang="zh-TW" dirty="0" smtClean="0"/>
+              <a:t>CMD</a:t>
+            </a:r>
+            <a:br>
+              <a:rPr lang="en-US" altLang="zh-TW" dirty="0" smtClean="0"/>
+            </a:br>
+            <a:r>
+              <a:rPr lang="zh-TW" altLang="en-US" b="1" dirty="0" smtClean="0"/>
+              <a:t>錄製</a:t>
+            </a:r>
+            <a:r>
+              <a:rPr lang="zh-TW" altLang="en-US" b="1" dirty="0"/>
+              <a:t>桌面並轉成</a:t>
+            </a:r>
+            <a:r>
+              <a:rPr lang="en-US" altLang="zh-TW" b="1" dirty="0" err="1"/>
+              <a:t>udp</a:t>
+            </a:r>
+            <a:r>
+              <a:rPr lang="zh-TW" altLang="en-US" b="1" dirty="0"/>
+              <a:t>直播串</a:t>
+            </a:r>
+            <a:r>
+              <a:rPr lang="zh-TW" altLang="en-US" b="1" dirty="0" smtClean="0"/>
+              <a:t>流</a:t>
+            </a:r>
+            <a:r>
+              <a:rPr lang="zh-TW" altLang="en-US" b="1" dirty="0"/>
+              <a:t/>
+            </a:r>
+            <a:br>
+              <a:rPr lang="zh-TW" altLang="en-US" b="1" dirty="0"/>
+            </a:br>
+            <a:endParaRPr lang="zh-TW" altLang="en-US" dirty="0"/>
+          </a:p>
+        </p:txBody>
+      </p:sp>
+    </p:spTree>
+    <p:extLst>
+      <p:ext uri="{BB962C8B-B14F-4D97-AF65-F5344CB8AC3E}">
+        <p14:creationId xmlns:p14="http://schemas.microsoft.com/office/powerpoint/2010/main" val="488232978"/>
+      </p:ext>
+    </p:extLst>
+  </p:cSld>
+  <p:clrMapOvr>
+    <a:masterClrMapping/>
+  </p:clrMapOvr>
+</p:sld>
+</file>
+
+<file path=ppt/slides/slide21.xml><?xml version="1.0" encoding="utf-8"?>
+<p:sld xmlns:a="http://schemas.openxmlformats.org/drawingml/2006/main" xmlns:r="http://schemas.openxmlformats.org/officeDocument/2006/relationships" xmlns:p="http://schemas.openxmlformats.org/presentationml/2006/main">
+  <p:cSld>
+    <p:spTree>
+      <p:nvGrpSpPr>
+        <p:cNvPr id="1" name=""/>
+        <p:cNvGrpSpPr/>
+        <p:nvPr/>
+      </p:nvGrpSpPr>
+      <p:grpSpPr>
+        <a:xfrm>
+          <a:off x="0" y="0"/>
+          <a:ext cx="0" cy="0"/>
+          <a:chOff x="0" y="0"/>
+          <a:chExt cx="0" cy="0"/>
+        </a:xfrm>
+      </p:grpSpPr>
+      <p:pic>
+        <p:nvPicPr>
+          <p:cNvPr id="16386" name="Picture 2"/>
+          <p:cNvPicPr>
+            <a:picLocks noChangeAspect="1" noChangeArrowheads="1"/>
+          </p:cNvPicPr>
+          <p:nvPr/>
+        </p:nvPicPr>
+        <p:blipFill>
+          <a:blip r:embed="rId2">
+            <a:extLst>
+              <a:ext uri="{28A0092B-C50C-407E-A947-70E740481C1C}">
+                <a14:useLocalDpi xmlns:a14="http://schemas.microsoft.com/office/drawing/2010/main" val="0"/>
+              </a:ext>
+            </a:extLst>
+          </a:blip>
+          <a:srcRect/>
+          <a:stretch>
+            <a:fillRect/>
+          </a:stretch>
+        </p:blipFill>
+        <p:spPr bwMode="auto">
+          <a:xfrm>
+            <a:off x="799014" y="0"/>
+            <a:ext cx="7048500" cy="990600"/>
+          </a:xfrm>
+          <a:prstGeom prst="rect">
+            <a:avLst/>
+          </a:prstGeom>
+          <a:noFill/>
+          <a:ln>
+            <a:noFill/>
+          </a:ln>
+          <a:extLst>
+            <a:ext uri="{909E8E84-426E-40DD-AFC4-6F175D3DCCD1}">
+              <a14:hiddenFill xmlns:a14="http://schemas.microsoft.com/office/drawing/2010/main">
+                <a:solidFill>
+                  <a:schemeClr val="accent1"/>
+                </a:solidFill>
+              </a14:hiddenFill>
+            </a:ext>
+            <a:ext uri="{91240B29-F687-4F45-9708-019B960494DF}">
+              <a14:hiddenLine xmlns:a14="http://schemas.microsoft.com/office/drawing/2010/main" w="9525">
+                <a:solidFill>
+                  <a:schemeClr val="tx1"/>
+                </a:solidFill>
+                <a:miter lim="800000"/>
+                <a:headEnd/>
+                <a:tailEnd/>
+              </a14:hiddenLine>
+            </a:ext>
+          </a:extLst>
+        </p:spPr>
+      </p:pic>
+      <p:pic>
+        <p:nvPicPr>
+          <p:cNvPr id="16387" name="Picture 3"/>
+          <p:cNvPicPr>
+            <a:picLocks noChangeAspect="1" noChangeArrowheads="1"/>
+          </p:cNvPicPr>
+          <p:nvPr/>
+        </p:nvPicPr>
+        <p:blipFill>
+          <a:blip r:embed="rId3">
+            <a:extLst>
+              <a:ext uri="{28A0092B-C50C-407E-A947-70E740481C1C}">
+                <a14:useLocalDpi xmlns:a14="http://schemas.microsoft.com/office/drawing/2010/main" val="0"/>
+              </a:ext>
+            </a:extLst>
+          </a:blip>
+          <a:srcRect/>
+          <a:stretch>
+            <a:fillRect/>
+          </a:stretch>
+        </p:blipFill>
+        <p:spPr bwMode="auto">
+          <a:xfrm>
+            <a:off x="811371" y="1268760"/>
+            <a:ext cx="7069038" cy="4073226"/>
+          </a:xfrm>
+          <a:prstGeom prst="rect">
+            <a:avLst/>
+          </a:prstGeom>
+          <a:noFill/>
+          <a:ln>
+            <a:noFill/>
+          </a:ln>
+          <a:extLst>
+            <a:ext uri="{909E8E84-426E-40DD-AFC4-6F175D3DCCD1}">
+              <a14:hiddenFill xmlns:a14="http://schemas.microsoft.com/office/drawing/2010/main">
+                <a:solidFill>
+                  <a:schemeClr val="accent1"/>
+                </a:solidFill>
+              </a14:hiddenFill>
+            </a:ext>
+            <a:ext uri="{91240B29-F687-4F45-9708-019B960494DF}">
+              <a14:hiddenLine xmlns:a14="http://schemas.microsoft.com/office/drawing/2010/main" w="9525">
+                <a:solidFill>
+                  <a:schemeClr val="tx1"/>
+                </a:solidFill>
+                <a:miter lim="800000"/>
+                <a:headEnd/>
+                <a:tailEnd/>
+              </a14:hiddenLine>
+            </a:ext>
+          </a:extLst>
+        </p:spPr>
+      </p:pic>
+      <p:pic>
+        <p:nvPicPr>
+          <p:cNvPr id="16388" name="Picture 4"/>
+          <p:cNvPicPr>
+            <a:picLocks noChangeAspect="1" noChangeArrowheads="1"/>
+          </p:cNvPicPr>
+          <p:nvPr/>
+        </p:nvPicPr>
+        <p:blipFill>
+          <a:blip r:embed="rId4">
+            <a:extLst>
+              <a:ext uri="{28A0092B-C50C-407E-A947-70E740481C1C}">
+                <a14:useLocalDpi xmlns:a14="http://schemas.microsoft.com/office/drawing/2010/main" val="0"/>
+              </a:ext>
+            </a:extLst>
+          </a:blip>
+          <a:srcRect/>
+          <a:stretch>
+            <a:fillRect/>
+          </a:stretch>
+        </p:blipFill>
+        <p:spPr bwMode="auto">
+          <a:xfrm>
+            <a:off x="48107" y="5805264"/>
+            <a:ext cx="9124950" cy="2590800"/>
+          </a:xfrm>
+          <a:prstGeom prst="rect">
+            <a:avLst/>
+          </a:prstGeom>
+          <a:noFill/>
+          <a:ln>
+            <a:noFill/>
+          </a:ln>
+          <a:extLst>
+            <a:ext uri="{909E8E84-426E-40DD-AFC4-6F175D3DCCD1}">
+              <a14:hiddenFill xmlns:a14="http://schemas.microsoft.com/office/drawing/2010/main">
+                <a:solidFill>
+                  <a:schemeClr val="accent1"/>
+                </a:solidFill>
+              </a14:hiddenFill>
+            </a:ext>
+            <a:ext uri="{91240B29-F687-4F45-9708-019B960494DF}">
+              <a14:hiddenLine xmlns:a14="http://schemas.microsoft.com/office/drawing/2010/main" w="9525">
+                <a:solidFill>
+                  <a:schemeClr val="tx1"/>
+                </a:solidFill>
+                <a:miter lim="800000"/>
+                <a:headEnd/>
+                <a:tailEnd/>
+              </a14:hiddenLine>
+            </a:ext>
+          </a:extLst>
+        </p:spPr>
+      </p:pic>
+    </p:spTree>
+    <p:extLst>
+      <p:ext uri="{BB962C8B-B14F-4D97-AF65-F5344CB8AC3E}">
+        <p14:creationId xmlns:p14="http://schemas.microsoft.com/office/powerpoint/2010/main" val="3105502971"/>
+      </p:ext>
+    </p:extLst>
+  </p:cSld>
+  <p:clrMapOvr>
+    <a:masterClrMapping/>
+  </p:clrMapOvr>
+</p:sld>
+</file>
+
+<file path=ppt/slides/slide22.xml><?xml version="1.0" encoding="utf-8"?>
+<p:sld xmlns:a="http://schemas.openxmlformats.org/drawingml/2006/main" xmlns:r="http://schemas.openxmlformats.org/officeDocument/2006/relationships" xmlns:p="http://schemas.openxmlformats.org/presentationml/2006/main">
+  <p:cSld>
+    <p:spTree>
+      <p:nvGrpSpPr>
+        <p:cNvPr id="1" name=""/>
+        <p:cNvGrpSpPr/>
+        <p:nvPr/>
+      </p:nvGrpSpPr>
+      <p:grpSpPr>
+        <a:xfrm>
+          <a:off x="0" y="0"/>
+          <a:ext cx="0" cy="0"/>
+          <a:chOff x="0" y="0"/>
+          <a:chExt cx="0" cy="0"/>
+        </a:xfrm>
+      </p:grpSpPr>
+      <p:pic>
+        <p:nvPicPr>
+          <p:cNvPr id="15362" name="Picture 2"/>
+          <p:cNvPicPr>
+            <a:picLocks noChangeAspect="1" noChangeArrowheads="1"/>
+          </p:cNvPicPr>
+          <p:nvPr/>
+        </p:nvPicPr>
+        <p:blipFill>
+          <a:blip r:embed="rId2">
+            <a:extLst>
+              <a:ext uri="{28A0092B-C50C-407E-A947-70E740481C1C}">
+                <a14:useLocalDpi xmlns:a14="http://schemas.microsoft.com/office/drawing/2010/main" val="0"/>
+              </a:ext>
+            </a:extLst>
+          </a:blip>
+          <a:srcRect/>
+          <a:stretch>
+            <a:fillRect/>
+          </a:stretch>
+        </p:blipFill>
+        <p:spPr bwMode="auto">
+          <a:xfrm>
+            <a:off x="1331640" y="1196752"/>
+            <a:ext cx="6838950" cy="5800725"/>
+          </a:xfrm>
+          <a:prstGeom prst="rect">
+            <a:avLst/>
+          </a:prstGeom>
+          <a:noFill/>
+          <a:ln>
+            <a:noFill/>
+          </a:ln>
+          <a:extLst>
+            <a:ext uri="{909E8E84-426E-40DD-AFC4-6F175D3DCCD1}">
+              <a14:hiddenFill xmlns:a14="http://schemas.microsoft.com/office/drawing/2010/main">
+                <a:solidFill>
+                  <a:schemeClr val="accent1"/>
+                </a:solidFill>
+              </a14:hiddenFill>
+            </a:ext>
+            <a:ext uri="{91240B29-F687-4F45-9708-019B960494DF}">
+              <a14:hiddenLine xmlns:a14="http://schemas.microsoft.com/office/drawing/2010/main" w="9525">
+                <a:solidFill>
+                  <a:schemeClr val="tx1"/>
+                </a:solidFill>
+                <a:miter lim="800000"/>
+                <a:headEnd/>
+                <a:tailEnd/>
+              </a14:hiddenLine>
+            </a:ext>
+          </a:extLst>
+        </p:spPr>
+      </p:pic>
+    </p:spTree>
+    <p:extLst>
+      <p:ext uri="{BB962C8B-B14F-4D97-AF65-F5344CB8AC3E}">
+        <p14:creationId xmlns:p14="http://schemas.microsoft.com/office/powerpoint/2010/main" val="1435358995"/>
       </p:ext>
     </p:extLst>
   </p:cSld>
